--- a/Pre1.2 MAD Process.pptx
+++ b/Pre1.2 MAD Process.pptx
@@ -18598,47 +18598,6 @@
           </a:p>
         </p:txBody>
       </p:sp>
-      <p:pic>
-        <p:nvPicPr>
-          <p:cNvPr id="2050" name="Picture 2" descr="âmobile app testâçå¾çæç´¢ç»æ"/>
-          <p:cNvPicPr>
-            <a:picLocks noChangeAspect="1" noChangeArrowheads="1"/>
-          </p:cNvPicPr>
-          <p:nvPr/>
-        </p:nvPicPr>
-        <p:blipFill>
-          <a:blip r:embed="rId2">
-            <a:extLst>
-              <a:ext uri="{28A0092B-C50C-407E-A947-70E740481C1C}">
-                <a14:useLocalDpi xmlns:a14="http://schemas.microsoft.com/office/drawing/2010/main" val="0"/>
-              </a:ext>
-            </a:extLst>
-          </a:blip>
-          <a:srcRect/>
-          <a:stretch>
-            <a:fillRect/>
-          </a:stretch>
-        </p:blipFill>
-        <p:spPr bwMode="auto">
-          <a:xfrm>
-            <a:off x="4394199" y="1714500"/>
-            <a:ext cx="4728999" cy="3738084"/>
-          </a:xfrm>
-          <a:prstGeom prst="rect">
-            <a:avLst/>
-          </a:prstGeom>
-          <a:noFill/>
-          <a:extLst>
-            <a:ext uri="{909E8E84-426E-40DD-AFC4-6F175D3DCCD1}">
-              <a14:hiddenFill xmlns:a14="http://schemas.microsoft.com/office/drawing/2010/main">
-                <a:solidFill>
-                  <a:srgbClr val="FFFFFF"/>
-                </a:solidFill>
-              </a14:hiddenFill>
-            </a:ext>
-          </a:extLst>
-        </p:spPr>
-      </p:pic>
     </p:spTree>
     <p:extLst>
       <p:ext uri="{BB962C8B-B14F-4D97-AF65-F5344CB8AC3E}">
@@ -21410,8 +21369,8 @@
         </p:nvSpPr>
         <p:spPr>
           <a:xfrm>
-            <a:off x="553862" y="1391452"/>
-            <a:ext cx="3687938" cy="3771636"/>
+            <a:off x="553861" y="1391452"/>
+            <a:ext cx="8395903" cy="3771636"/>
           </a:xfrm>
         </p:spPr>
         <p:txBody>
@@ -21440,66 +21399,6 @@
           </a:p>
         </p:txBody>
       </p:sp>
-      <p:sp>
-        <p:nvSpPr>
-          <p:cNvPr id="4" name="内容占位符 3"/>
-          <p:cNvSpPr>
-            <a:spLocks noGrp="1"/>
-          </p:cNvSpPr>
-          <p:nvPr>
-            <p:ph idx="15"/>
-          </p:nvPr>
-        </p:nvSpPr>
-        <p:spPr/>
-        <p:txBody>
-          <a:bodyPr/>
-          <a:lstStyle/>
-          <a:p>
-            <a:endParaRPr lang="zh-CN" altLang="en-US"/>
-          </a:p>
-        </p:txBody>
-      </p:sp>
-      <p:pic>
-        <p:nvPicPr>
-          <p:cNvPr id="3074" name="Picture 2" descr="âmobile app deploymentâçå¾çæç´¢ç»æ"/>
-          <p:cNvPicPr>
-            <a:picLocks noChangeAspect="1" noChangeArrowheads="1"/>
-          </p:cNvPicPr>
-          <p:nvPr/>
-        </p:nvPicPr>
-        <p:blipFill>
-          <a:blip r:embed="rId2">
-            <a:extLst>
-              <a:ext uri="{28A0092B-C50C-407E-A947-70E740481C1C}">
-                <a14:useLocalDpi xmlns:a14="http://schemas.microsoft.com/office/drawing/2010/main" val="0"/>
-              </a:ext>
-            </a:extLst>
-          </a:blip>
-          <a:srcRect/>
-          <a:stretch>
-            <a:fillRect/>
-          </a:stretch>
-        </p:blipFill>
-        <p:spPr bwMode="auto">
-          <a:xfrm>
-            <a:off x="4156309" y="1162720"/>
-            <a:ext cx="5620559" cy="4229100"/>
-          </a:xfrm>
-          <a:prstGeom prst="rect">
-            <a:avLst/>
-          </a:prstGeom>
-          <a:noFill/>
-          <a:extLst>
-            <a:ext uri="{909E8E84-426E-40DD-AFC4-6F175D3DCCD1}">
-              <a14:hiddenFill xmlns:a14="http://schemas.microsoft.com/office/drawing/2010/main">
-                <a:solidFill>
-                  <a:srgbClr val="FFFFFF"/>
-                </a:solidFill>
-              </a14:hiddenFill>
-            </a:ext>
-          </a:extLst>
-        </p:spPr>
-      </p:pic>
     </p:spTree>
     <p:extLst>
       <p:ext uri="{BB962C8B-B14F-4D97-AF65-F5344CB8AC3E}">
@@ -24888,12 +24787,21 @@
 </file>
 
 <file path=customXml/item1.xml><?xml version="1.0" encoding="utf-8"?>
+<?mso-contentType ?>
+<FormTemplates xmlns="http://schemas.microsoft.com/sharepoint/v3/contenttype/forms">
+  <Display>DocumentLibraryForm</Display>
+  <Edit>DocumentLibraryForm</Edit>
+  <New>DocumentLibraryForm</New>
+</FormTemplates>
+</file>
+
+<file path=customXml/item2.xml><?xml version="1.0" encoding="utf-8"?>
 <p:properties xmlns:p="http://schemas.microsoft.com/office/2006/metadata/properties" xmlns:xsi="http://www.w3.org/2001/XMLSchema-instance" xmlns:pc="http://schemas.microsoft.com/office/infopath/2007/PartnerControls">
   <documentManagement/>
 </p:properties>
 </file>
 
-<file path=customXml/item2.xml><?xml version="1.0" encoding="utf-8"?>
+<file path=customXml/item3.xml><?xml version="1.0" encoding="utf-8"?>
 <ct:contentTypeSchema xmlns:ct="http://schemas.microsoft.com/office/2006/metadata/contentType" xmlns:ma="http://schemas.microsoft.com/office/2006/metadata/properties/metaAttributes" ct:_="" ma:_="" ma:contentTypeName="Document" ma:contentTypeID="0x01010032007F32B4F84B44ACC6DD97D428A504" ma:contentTypeVersion="3" ma:contentTypeDescription="Create a new document." ma:contentTypeScope="" ma:versionID="df1701c683e45b7de10b6f7e2a0548c7">
   <xsd:schema xmlns:xsd="http://www.w3.org/2001/XMLSchema" xmlns:xs="http://www.w3.org/2001/XMLSchema" xmlns:p="http://schemas.microsoft.com/office/2006/metadata/properties" xmlns:ns2="eef61076-61bb-4ba8-9539-3229e0848d9e" targetNamespace="http://schemas.microsoft.com/office/2006/metadata/properties" ma:root="true" ma:fieldsID="cbbdbb27ac8dac2b6f3c91648c2172b0" ns2:_="">
     <xsd:import namespace="eef61076-61bb-4ba8-9539-3229e0848d9e"/>
@@ -25047,16 +24955,15 @@
 </ct:contentTypeSchema>
 </file>
 
-<file path=customXml/item3.xml><?xml version="1.0" encoding="utf-8"?>
-<?mso-contentType ?>
-<FormTemplates xmlns="http://schemas.microsoft.com/sharepoint/v3/contenttype/forms">
-  <Display>DocumentLibraryForm</Display>
-  <Edit>DocumentLibraryForm</Edit>
-  <New>DocumentLibraryForm</New>
-</FormTemplates>
+<file path=customXml/itemProps1.xml><?xml version="1.0" encoding="utf-8"?>
+<ds:datastoreItem xmlns:ds="http://schemas.openxmlformats.org/officeDocument/2006/customXml" ds:itemID="{22CBCFDE-8814-4D85-8B11-BF18575B4D6C}">
+  <ds:schemaRefs>
+    <ds:schemaRef ds:uri="http://schemas.microsoft.com/sharepoint/v3/contenttype/forms"/>
+  </ds:schemaRefs>
+</ds:datastoreItem>
 </file>
 
-<file path=customXml/itemProps1.xml><?xml version="1.0" encoding="utf-8"?>
+<file path=customXml/itemProps2.xml><?xml version="1.0" encoding="utf-8"?>
 <ds:datastoreItem xmlns:ds="http://schemas.openxmlformats.org/officeDocument/2006/customXml" ds:itemID="{7D0B5AD0-169F-4C2D-8F32-CC7E999DF833}">
   <ds:schemaRefs>
     <ds:schemaRef ds:uri="http://purl.org/dc/dcmitype/"/>
@@ -25072,7 +24979,7 @@
 </ds:datastoreItem>
 </file>
 
-<file path=customXml/itemProps2.xml><?xml version="1.0" encoding="utf-8"?>
+<file path=customXml/itemProps3.xml><?xml version="1.0" encoding="utf-8"?>
 <ds:datastoreItem xmlns:ds="http://schemas.openxmlformats.org/officeDocument/2006/customXml" ds:itemID="{5A8CBD8A-A3E3-4476-B9EC-9ABD2DED8444}">
   <ds:schemaRefs>
     <ds:schemaRef ds:uri="http://schemas.microsoft.com/office/2006/metadata/contentType"/>
@@ -25088,12 +24995,4 @@
     <ds:schemaRef ds:uri="http://schemas.microsoft.com/internal/obd"/>
   </ds:schemaRefs>
 </ds:datastoreItem>
-</file>
-
-<file path=customXml/itemProps3.xml><?xml version="1.0" encoding="utf-8"?>
-<ds:datastoreItem xmlns:ds="http://schemas.openxmlformats.org/officeDocument/2006/customXml" ds:itemID="{22CBCFDE-8814-4D85-8B11-BF18575B4D6C}">
-  <ds:schemaRefs>
-    <ds:schemaRef ds:uri="http://schemas.microsoft.com/sharepoint/v3/contenttype/forms"/>
-  </ds:schemaRefs>
-</ds:datastoreItem>
 </file>